--- a/Workshop/InfraPlaten.pptx
+++ b/Workshop/InfraPlaten.pptx
@@ -7,7 +7,8 @@
   <p:sldIdLst>
     <p:sldId id="256" r:id="rId2"/>
     <p:sldId id="258" r:id="rId3"/>
-    <p:sldId id="257" r:id="rId4"/>
+    <p:sldId id="260" r:id="rId4"/>
+    <p:sldId id="257" r:id="rId5"/>
   </p:sldIdLst>
   <p:sldSz cx="12192000" cy="6858000"/>
   <p:notesSz cx="6858000" cy="9144000"/>
@@ -156,7 +157,7 @@
           </a:lstStyle>
           <a:p>
             <a:r>
-              <a:rPr lang="en-US" smtClean="0"/>
+              <a:rPr lang="en-US"/>
               <a:t>Click to edit Master title style</a:t>
             </a:r>
             <a:endParaRPr lang="nl-NL"/>
@@ -221,7 +222,7 @@
           </a:lstStyle>
           <a:p>
             <a:r>
-              <a:rPr lang="en-US" smtClean="0"/>
+              <a:rPr lang="en-US"/>
               <a:t>Click to edit Master subtitle style</a:t>
             </a:r>
             <a:endParaRPr lang="nl-NL"/>
@@ -245,7 +246,7 @@
           <a:p>
             <a:fld id="{E78D6EB9-4637-4CE3-BF61-F6FF621A0402}" type="datetimeFigureOut">
               <a:rPr lang="nl-NL" smtClean="0"/>
-              <a:t>13-9-2017</a:t>
+              <a:t>5-10-2018</a:t>
             </a:fld>
             <a:endParaRPr lang="nl-NL"/>
           </a:p>
@@ -339,7 +340,7 @@
           <a:lstStyle/>
           <a:p>
             <a:r>
-              <a:rPr lang="en-US" smtClean="0"/>
+              <a:rPr lang="en-US"/>
               <a:t>Click to edit Master title style</a:t>
             </a:r>
             <a:endParaRPr lang="nl-NL"/>
@@ -363,35 +364,35 @@
           <a:p>
             <a:pPr lvl="0"/>
             <a:r>
-              <a:rPr lang="en-US" smtClean="0"/>
+              <a:rPr lang="en-US"/>
               <a:t>Click to edit Master text styles</a:t>
             </a:r>
           </a:p>
           <a:p>
             <a:pPr lvl="1"/>
             <a:r>
-              <a:rPr lang="en-US" smtClean="0"/>
+              <a:rPr lang="en-US"/>
               <a:t>Second level</a:t>
             </a:r>
           </a:p>
           <a:p>
             <a:pPr lvl="2"/>
             <a:r>
-              <a:rPr lang="en-US" smtClean="0"/>
+              <a:rPr lang="en-US"/>
               <a:t>Third level</a:t>
             </a:r>
           </a:p>
           <a:p>
             <a:pPr lvl="3"/>
             <a:r>
-              <a:rPr lang="en-US" smtClean="0"/>
+              <a:rPr lang="en-US"/>
               <a:t>Fourth level</a:t>
             </a:r>
           </a:p>
           <a:p>
             <a:pPr lvl="4"/>
             <a:r>
-              <a:rPr lang="en-US" smtClean="0"/>
+              <a:rPr lang="en-US"/>
               <a:t>Fifth level</a:t>
             </a:r>
             <a:endParaRPr lang="nl-NL"/>
@@ -415,7 +416,7 @@
           <a:p>
             <a:fld id="{E78D6EB9-4637-4CE3-BF61-F6FF621A0402}" type="datetimeFigureOut">
               <a:rPr lang="nl-NL" smtClean="0"/>
-              <a:t>13-9-2017</a:t>
+              <a:t>5-10-2018</a:t>
             </a:fld>
             <a:endParaRPr lang="nl-NL"/>
           </a:p>
@@ -514,7 +515,7 @@
           <a:lstStyle/>
           <a:p>
             <a:r>
-              <a:rPr lang="en-US" smtClean="0"/>
+              <a:rPr lang="en-US"/>
               <a:t>Click to edit Master title style</a:t>
             </a:r>
             <a:endParaRPr lang="nl-NL"/>
@@ -543,35 +544,35 @@
           <a:p>
             <a:pPr lvl="0"/>
             <a:r>
-              <a:rPr lang="en-US" smtClean="0"/>
+              <a:rPr lang="en-US"/>
               <a:t>Click to edit Master text styles</a:t>
             </a:r>
           </a:p>
           <a:p>
             <a:pPr lvl="1"/>
             <a:r>
-              <a:rPr lang="en-US" smtClean="0"/>
+              <a:rPr lang="en-US"/>
               <a:t>Second level</a:t>
             </a:r>
           </a:p>
           <a:p>
             <a:pPr lvl="2"/>
             <a:r>
-              <a:rPr lang="en-US" smtClean="0"/>
+              <a:rPr lang="en-US"/>
               <a:t>Third level</a:t>
             </a:r>
           </a:p>
           <a:p>
             <a:pPr lvl="3"/>
             <a:r>
-              <a:rPr lang="en-US" smtClean="0"/>
+              <a:rPr lang="en-US"/>
               <a:t>Fourth level</a:t>
             </a:r>
           </a:p>
           <a:p>
             <a:pPr lvl="4"/>
             <a:r>
-              <a:rPr lang="en-US" smtClean="0"/>
+              <a:rPr lang="en-US"/>
               <a:t>Fifth level</a:t>
             </a:r>
             <a:endParaRPr lang="nl-NL"/>
@@ -595,7 +596,7 @@
           <a:p>
             <a:fld id="{E78D6EB9-4637-4CE3-BF61-F6FF621A0402}" type="datetimeFigureOut">
               <a:rPr lang="nl-NL" smtClean="0"/>
-              <a:t>13-9-2017</a:t>
+              <a:t>5-10-2018</a:t>
             </a:fld>
             <a:endParaRPr lang="nl-NL"/>
           </a:p>
@@ -689,7 +690,7 @@
           <a:lstStyle/>
           <a:p>
             <a:r>
-              <a:rPr lang="en-US" smtClean="0"/>
+              <a:rPr lang="en-US"/>
               <a:t>Click to edit Master title style</a:t>
             </a:r>
             <a:endParaRPr lang="nl-NL"/>
@@ -713,35 +714,35 @@
           <a:p>
             <a:pPr lvl="0"/>
             <a:r>
-              <a:rPr lang="en-US" smtClean="0"/>
+              <a:rPr lang="en-US"/>
               <a:t>Click to edit Master text styles</a:t>
             </a:r>
           </a:p>
           <a:p>
             <a:pPr lvl="1"/>
             <a:r>
-              <a:rPr lang="en-US" smtClean="0"/>
+              <a:rPr lang="en-US"/>
               <a:t>Second level</a:t>
             </a:r>
           </a:p>
           <a:p>
             <a:pPr lvl="2"/>
             <a:r>
-              <a:rPr lang="en-US" smtClean="0"/>
+              <a:rPr lang="en-US"/>
               <a:t>Third level</a:t>
             </a:r>
           </a:p>
           <a:p>
             <a:pPr lvl="3"/>
             <a:r>
-              <a:rPr lang="en-US" smtClean="0"/>
+              <a:rPr lang="en-US"/>
               <a:t>Fourth level</a:t>
             </a:r>
           </a:p>
           <a:p>
             <a:pPr lvl="4"/>
             <a:r>
-              <a:rPr lang="en-US" smtClean="0"/>
+              <a:rPr lang="en-US"/>
               <a:t>Fifth level</a:t>
             </a:r>
             <a:endParaRPr lang="nl-NL"/>
@@ -765,7 +766,7 @@
           <a:p>
             <a:fld id="{E78D6EB9-4637-4CE3-BF61-F6FF621A0402}" type="datetimeFigureOut">
               <a:rPr lang="nl-NL" smtClean="0"/>
-              <a:t>13-9-2017</a:t>
+              <a:t>5-10-2018</a:t>
             </a:fld>
             <a:endParaRPr lang="nl-NL"/>
           </a:p>
@@ -868,7 +869,7 @@
           </a:lstStyle>
           <a:p>
             <a:r>
-              <a:rPr lang="en-US" smtClean="0"/>
+              <a:rPr lang="en-US"/>
               <a:t>Click to edit Master title style</a:t>
             </a:r>
             <a:endParaRPr lang="nl-NL"/>
@@ -988,7 +989,7 @@
           <a:p>
             <a:pPr lvl="0"/>
             <a:r>
-              <a:rPr lang="en-US" smtClean="0"/>
+              <a:rPr lang="en-US"/>
               <a:t>Click to edit Master text styles</a:t>
             </a:r>
           </a:p>
@@ -1011,7 +1012,7 @@
           <a:p>
             <a:fld id="{E78D6EB9-4637-4CE3-BF61-F6FF621A0402}" type="datetimeFigureOut">
               <a:rPr lang="nl-NL" smtClean="0"/>
-              <a:t>13-9-2017</a:t>
+              <a:t>5-10-2018</a:t>
             </a:fld>
             <a:endParaRPr lang="nl-NL"/>
           </a:p>
@@ -1105,7 +1106,7 @@
           <a:lstStyle/>
           <a:p>
             <a:r>
-              <a:rPr lang="en-US" smtClean="0"/>
+              <a:rPr lang="en-US"/>
               <a:t>Click to edit Master title style</a:t>
             </a:r>
             <a:endParaRPr lang="nl-NL"/>
@@ -1134,35 +1135,35 @@
           <a:p>
             <a:pPr lvl="0"/>
             <a:r>
-              <a:rPr lang="en-US" smtClean="0"/>
+              <a:rPr lang="en-US"/>
               <a:t>Click to edit Master text styles</a:t>
             </a:r>
           </a:p>
           <a:p>
             <a:pPr lvl="1"/>
             <a:r>
-              <a:rPr lang="en-US" smtClean="0"/>
+              <a:rPr lang="en-US"/>
               <a:t>Second level</a:t>
             </a:r>
           </a:p>
           <a:p>
             <a:pPr lvl="2"/>
             <a:r>
-              <a:rPr lang="en-US" smtClean="0"/>
+              <a:rPr lang="en-US"/>
               <a:t>Third level</a:t>
             </a:r>
           </a:p>
           <a:p>
             <a:pPr lvl="3"/>
             <a:r>
-              <a:rPr lang="en-US" smtClean="0"/>
+              <a:rPr lang="en-US"/>
               <a:t>Fourth level</a:t>
             </a:r>
           </a:p>
           <a:p>
             <a:pPr lvl="4"/>
             <a:r>
-              <a:rPr lang="en-US" smtClean="0"/>
+              <a:rPr lang="en-US"/>
               <a:t>Fifth level</a:t>
             </a:r>
             <a:endParaRPr lang="nl-NL"/>
@@ -1191,35 +1192,35 @@
           <a:p>
             <a:pPr lvl="0"/>
             <a:r>
-              <a:rPr lang="en-US" smtClean="0"/>
+              <a:rPr lang="en-US"/>
               <a:t>Click to edit Master text styles</a:t>
             </a:r>
           </a:p>
           <a:p>
             <a:pPr lvl="1"/>
             <a:r>
-              <a:rPr lang="en-US" smtClean="0"/>
+              <a:rPr lang="en-US"/>
               <a:t>Second level</a:t>
             </a:r>
           </a:p>
           <a:p>
             <a:pPr lvl="2"/>
             <a:r>
-              <a:rPr lang="en-US" smtClean="0"/>
+              <a:rPr lang="en-US"/>
               <a:t>Third level</a:t>
             </a:r>
           </a:p>
           <a:p>
             <a:pPr lvl="3"/>
             <a:r>
-              <a:rPr lang="en-US" smtClean="0"/>
+              <a:rPr lang="en-US"/>
               <a:t>Fourth level</a:t>
             </a:r>
           </a:p>
           <a:p>
             <a:pPr lvl="4"/>
             <a:r>
-              <a:rPr lang="en-US" smtClean="0"/>
+              <a:rPr lang="en-US"/>
               <a:t>Fifth level</a:t>
             </a:r>
             <a:endParaRPr lang="nl-NL"/>
@@ -1243,7 +1244,7 @@
           <a:p>
             <a:fld id="{E78D6EB9-4637-4CE3-BF61-F6FF621A0402}" type="datetimeFigureOut">
               <a:rPr lang="nl-NL" smtClean="0"/>
-              <a:t>13-9-2017</a:t>
+              <a:t>5-10-2018</a:t>
             </a:fld>
             <a:endParaRPr lang="nl-NL"/>
           </a:p>
@@ -1342,7 +1343,7 @@
           <a:lstStyle/>
           <a:p>
             <a:r>
-              <a:rPr lang="en-US" smtClean="0"/>
+              <a:rPr lang="en-US"/>
               <a:t>Click to edit Master title style</a:t>
             </a:r>
             <a:endParaRPr lang="nl-NL"/>
@@ -1408,7 +1409,7 @@
           <a:p>
             <a:pPr lvl="0"/>
             <a:r>
-              <a:rPr lang="en-US" smtClean="0"/>
+              <a:rPr lang="en-US"/>
               <a:t>Click to edit Master text styles</a:t>
             </a:r>
           </a:p>
@@ -1436,35 +1437,35 @@
           <a:p>
             <a:pPr lvl="0"/>
             <a:r>
-              <a:rPr lang="en-US" smtClean="0"/>
+              <a:rPr lang="en-US"/>
               <a:t>Click to edit Master text styles</a:t>
             </a:r>
           </a:p>
           <a:p>
             <a:pPr lvl="1"/>
             <a:r>
-              <a:rPr lang="en-US" smtClean="0"/>
+              <a:rPr lang="en-US"/>
               <a:t>Second level</a:t>
             </a:r>
           </a:p>
           <a:p>
             <a:pPr lvl="2"/>
             <a:r>
-              <a:rPr lang="en-US" smtClean="0"/>
+              <a:rPr lang="en-US"/>
               <a:t>Third level</a:t>
             </a:r>
           </a:p>
           <a:p>
             <a:pPr lvl="3"/>
             <a:r>
-              <a:rPr lang="en-US" smtClean="0"/>
+              <a:rPr lang="en-US"/>
               <a:t>Fourth level</a:t>
             </a:r>
           </a:p>
           <a:p>
             <a:pPr lvl="4"/>
             <a:r>
-              <a:rPr lang="en-US" smtClean="0"/>
+              <a:rPr lang="en-US"/>
               <a:t>Fifth level</a:t>
             </a:r>
             <a:endParaRPr lang="nl-NL"/>
@@ -1530,7 +1531,7 @@
           <a:p>
             <a:pPr lvl="0"/>
             <a:r>
-              <a:rPr lang="en-US" smtClean="0"/>
+              <a:rPr lang="en-US"/>
               <a:t>Click to edit Master text styles</a:t>
             </a:r>
           </a:p>
@@ -1558,35 +1559,35 @@
           <a:p>
             <a:pPr lvl="0"/>
             <a:r>
-              <a:rPr lang="en-US" smtClean="0"/>
+              <a:rPr lang="en-US"/>
               <a:t>Click to edit Master text styles</a:t>
             </a:r>
           </a:p>
           <a:p>
             <a:pPr lvl="1"/>
             <a:r>
-              <a:rPr lang="en-US" smtClean="0"/>
+              <a:rPr lang="en-US"/>
               <a:t>Second level</a:t>
             </a:r>
           </a:p>
           <a:p>
             <a:pPr lvl="2"/>
             <a:r>
-              <a:rPr lang="en-US" smtClean="0"/>
+              <a:rPr lang="en-US"/>
               <a:t>Third level</a:t>
             </a:r>
           </a:p>
           <a:p>
             <a:pPr lvl="3"/>
             <a:r>
-              <a:rPr lang="en-US" smtClean="0"/>
+              <a:rPr lang="en-US"/>
               <a:t>Fourth level</a:t>
             </a:r>
           </a:p>
           <a:p>
             <a:pPr lvl="4"/>
             <a:r>
-              <a:rPr lang="en-US" smtClean="0"/>
+              <a:rPr lang="en-US"/>
               <a:t>Fifth level</a:t>
             </a:r>
             <a:endParaRPr lang="nl-NL"/>
@@ -1610,7 +1611,7 @@
           <a:p>
             <a:fld id="{E78D6EB9-4637-4CE3-BF61-F6FF621A0402}" type="datetimeFigureOut">
               <a:rPr lang="nl-NL" smtClean="0"/>
-              <a:t>13-9-2017</a:t>
+              <a:t>5-10-2018</a:t>
             </a:fld>
             <a:endParaRPr lang="nl-NL"/>
           </a:p>
@@ -1704,7 +1705,7 @@
           <a:lstStyle/>
           <a:p>
             <a:r>
-              <a:rPr lang="en-US" smtClean="0"/>
+              <a:rPr lang="en-US"/>
               <a:t>Click to edit Master title style</a:t>
             </a:r>
             <a:endParaRPr lang="nl-NL"/>
@@ -1728,7 +1729,7 @@
           <a:p>
             <a:fld id="{E78D6EB9-4637-4CE3-BF61-F6FF621A0402}" type="datetimeFigureOut">
               <a:rPr lang="nl-NL" smtClean="0"/>
-              <a:t>13-9-2017</a:t>
+              <a:t>5-10-2018</a:t>
             </a:fld>
             <a:endParaRPr lang="nl-NL"/>
           </a:p>
@@ -1823,7 +1824,7 @@
           <a:p>
             <a:fld id="{E78D6EB9-4637-4CE3-BF61-F6FF621A0402}" type="datetimeFigureOut">
               <a:rPr lang="nl-NL" smtClean="0"/>
-              <a:t>13-9-2017</a:t>
+              <a:t>5-10-2018</a:t>
             </a:fld>
             <a:endParaRPr lang="nl-NL"/>
           </a:p>
@@ -1926,7 +1927,7 @@
           </a:lstStyle>
           <a:p>
             <a:r>
-              <a:rPr lang="en-US" smtClean="0"/>
+              <a:rPr lang="en-US"/>
               <a:t>Click to edit Master title style</a:t>
             </a:r>
             <a:endParaRPr lang="nl-NL"/>
@@ -1983,35 +1984,35 @@
           <a:p>
             <a:pPr lvl="0"/>
             <a:r>
-              <a:rPr lang="en-US" smtClean="0"/>
+              <a:rPr lang="en-US"/>
               <a:t>Click to edit Master text styles</a:t>
             </a:r>
           </a:p>
           <a:p>
             <a:pPr lvl="1"/>
             <a:r>
-              <a:rPr lang="en-US" smtClean="0"/>
+              <a:rPr lang="en-US"/>
               <a:t>Second level</a:t>
             </a:r>
           </a:p>
           <a:p>
             <a:pPr lvl="2"/>
             <a:r>
-              <a:rPr lang="en-US" smtClean="0"/>
+              <a:rPr lang="en-US"/>
               <a:t>Third level</a:t>
             </a:r>
           </a:p>
           <a:p>
             <a:pPr lvl="3"/>
             <a:r>
-              <a:rPr lang="en-US" smtClean="0"/>
+              <a:rPr lang="en-US"/>
               <a:t>Fourth level</a:t>
             </a:r>
           </a:p>
           <a:p>
             <a:pPr lvl="4"/>
             <a:r>
-              <a:rPr lang="en-US" smtClean="0"/>
+              <a:rPr lang="en-US"/>
               <a:t>Fifth level</a:t>
             </a:r>
             <a:endParaRPr lang="nl-NL"/>
@@ -2077,7 +2078,7 @@
           <a:p>
             <a:pPr lvl="0"/>
             <a:r>
-              <a:rPr lang="en-US" smtClean="0"/>
+              <a:rPr lang="en-US"/>
               <a:t>Click to edit Master text styles</a:t>
             </a:r>
           </a:p>
@@ -2100,7 +2101,7 @@
           <a:p>
             <a:fld id="{E78D6EB9-4637-4CE3-BF61-F6FF621A0402}" type="datetimeFigureOut">
               <a:rPr lang="nl-NL" smtClean="0"/>
-              <a:t>13-9-2017</a:t>
+              <a:t>5-10-2018</a:t>
             </a:fld>
             <a:endParaRPr lang="nl-NL"/>
           </a:p>
@@ -2203,7 +2204,7 @@
           </a:lstStyle>
           <a:p>
             <a:r>
-              <a:rPr lang="en-US" smtClean="0"/>
+              <a:rPr lang="en-US"/>
               <a:t>Click to edit Master title style</a:t>
             </a:r>
             <a:endParaRPr lang="nl-NL"/>
@@ -2330,7 +2331,7 @@
           <a:p>
             <a:pPr lvl="0"/>
             <a:r>
-              <a:rPr lang="en-US" smtClean="0"/>
+              <a:rPr lang="en-US"/>
               <a:t>Click to edit Master text styles</a:t>
             </a:r>
           </a:p>
@@ -2353,7 +2354,7 @@
           <a:p>
             <a:fld id="{E78D6EB9-4637-4CE3-BF61-F6FF621A0402}" type="datetimeFigureOut">
               <a:rPr lang="nl-NL" smtClean="0"/>
-              <a:t>13-9-2017</a:t>
+              <a:t>5-10-2018</a:t>
             </a:fld>
             <a:endParaRPr lang="nl-NL"/>
           </a:p>
@@ -2462,7 +2463,7 @@
           <a:lstStyle/>
           <a:p>
             <a:r>
-              <a:rPr lang="en-US" smtClean="0"/>
+              <a:rPr lang="en-US"/>
               <a:t>Click to edit Master title style</a:t>
             </a:r>
             <a:endParaRPr lang="nl-NL"/>
@@ -2496,35 +2497,35 @@
           <a:p>
             <a:pPr lvl="0"/>
             <a:r>
-              <a:rPr lang="en-US" smtClean="0"/>
+              <a:rPr lang="en-US"/>
               <a:t>Click to edit Master text styles</a:t>
             </a:r>
           </a:p>
           <a:p>
             <a:pPr lvl="1"/>
             <a:r>
-              <a:rPr lang="en-US" smtClean="0"/>
+              <a:rPr lang="en-US"/>
               <a:t>Second level</a:t>
             </a:r>
           </a:p>
           <a:p>
             <a:pPr lvl="2"/>
             <a:r>
-              <a:rPr lang="en-US" smtClean="0"/>
+              <a:rPr lang="en-US"/>
               <a:t>Third level</a:t>
             </a:r>
           </a:p>
           <a:p>
             <a:pPr lvl="3"/>
             <a:r>
-              <a:rPr lang="en-US" smtClean="0"/>
+              <a:rPr lang="en-US"/>
               <a:t>Fourth level</a:t>
             </a:r>
           </a:p>
           <a:p>
             <a:pPr lvl="4"/>
             <a:r>
-              <a:rPr lang="en-US" smtClean="0"/>
+              <a:rPr lang="en-US"/>
               <a:t>Fifth level</a:t>
             </a:r>
             <a:endParaRPr lang="nl-NL"/>
@@ -2566,7 +2567,7 @@
           <a:p>
             <a:fld id="{E78D6EB9-4637-4CE3-BF61-F6FF621A0402}" type="datetimeFigureOut">
               <a:rPr lang="nl-NL" smtClean="0"/>
-              <a:t>13-9-2017</a:t>
+              <a:t>5-10-2018</a:t>
             </a:fld>
             <a:endParaRPr lang="nl-NL"/>
           </a:p>
@@ -2981,24 +2982,20 @@
             <p:ph type="title"/>
           </p:nvPr>
         </p:nvSpPr>
-        <p:spPr/>
+        <p:spPr>
+          <a:xfrm>
+            <a:off x="838200" y="365125"/>
+            <a:ext cx="10515600" cy="1325563"/>
+          </a:xfrm>
+        </p:spPr>
         <p:txBody>
           <a:bodyPr/>
           <a:lstStyle/>
           <a:p>
             <a:r>
-              <a:rPr lang="nl-NL" dirty="0" smtClean="0"/>
-              <a:t>Infrastructuur </a:t>
-            </a:r>
-            <a:r>
-              <a:rPr lang="nl-NL" dirty="0" err="1" smtClean="0"/>
-              <a:t>staticws</a:t>
-            </a:r>
-            <a:r>
-              <a:rPr lang="nl-NL" dirty="0" smtClean="0"/>
-              <a:t>-opdracht</a:t>
-            </a:r>
-            <a:endParaRPr lang="nl-NL" dirty="0"/>
+              <a:rPr lang="nl-NL" dirty="0"/>
+              <a:t>Microservice opdracht 1: 1 container</a:t>
+            </a:r>
           </a:p>
         </p:txBody>
       </p:sp>
@@ -3010,7 +3007,7 @@
         </p:nvSpPr>
         <p:spPr>
           <a:xfrm>
-            <a:off x="3053706" y="2077060"/>
+            <a:off x="1611401" y="2077060"/>
             <a:ext cx="941832" cy="877824"/>
           </a:xfrm>
           <a:prstGeom prst="smileyFace">
@@ -3093,7 +3090,7 @@
         </p:blipFill>
         <p:spPr>
           <a:xfrm>
-            <a:off x="2643810" y="3205064"/>
+            <a:off x="1201505" y="3205064"/>
             <a:ext cx="2606184" cy="1744190"/>
           </a:xfrm>
           <a:prstGeom prst="rect">
@@ -3116,8 +3113,8 @@
         </p:nvSpPr>
         <p:spPr>
           <a:xfrm>
-            <a:off x="7407807" y="2689503"/>
-            <a:ext cx="2042809" cy="2752928"/>
+            <a:off x="7982843" y="2689503"/>
+            <a:ext cx="2381353" cy="2752928"/>
           </a:xfrm>
           <a:prstGeom prst="rect">
             <a:avLst/>
@@ -3150,9 +3147,48 @@
           <a:p>
             <a:pPr algn="ctr"/>
             <a:r>
-              <a:rPr lang="nl-NL" dirty="0" smtClean="0"/>
-              <a:t>:80	NGINX</a:t>
-            </a:r>
+              <a:rPr lang="nl-NL" dirty="0" err="1"/>
+              <a:t>ASP.Net</a:t>
+            </a:r>
+            <a:r>
+              <a:rPr lang="nl-NL" dirty="0"/>
+              <a:t> </a:t>
+            </a:r>
+            <a:r>
+              <a:rPr lang="nl-NL" dirty="0" err="1"/>
+              <a:t>Core</a:t>
+            </a:r>
+            <a:endParaRPr lang="nl-NL" dirty="0"/>
+          </a:p>
+          <a:p>
+            <a:pPr algn="ctr"/>
+            <a:r>
+              <a:rPr lang="en-US" dirty="0"/>
+              <a:t>MVC (</a:t>
+            </a:r>
+            <a:r>
+              <a:rPr lang="en-US" dirty="0" err="1"/>
+              <a:t>ApenContainer</a:t>
+            </a:r>
+            <a:r>
+              <a:rPr lang="en-US" dirty="0"/>
+              <a:t>)</a:t>
+            </a:r>
+            <a:endParaRPr lang="nl-NL" dirty="0"/>
+          </a:p>
+          <a:p>
+            <a:pPr algn="ctr"/>
+            <a:r>
+              <a:rPr lang="nl-NL" dirty="0"/>
+              <a:t>:80                        	</a:t>
+            </a:r>
+          </a:p>
+          <a:p>
+            <a:pPr algn="ctr"/>
+            <a:endParaRPr lang="en-US" dirty="0"/>
+          </a:p>
+          <a:p>
+            <a:pPr algn="ctr"/>
             <a:endParaRPr lang="nl-NL" dirty="0"/>
           </a:p>
         </p:txBody>
@@ -3161,6 +3197,7 @@
         <p:nvCxnSpPr>
           <p:cNvPr id="10" name="Straight Arrow Connector 9"/>
           <p:cNvCxnSpPr>
+            <a:cxnSpLocks/>
             <a:stCxn id="7" idx="3"/>
             <a:endCxn id="8" idx="1"/>
           </p:cNvCxnSpPr>
@@ -3168,8 +3205,8 @@
         </p:nvCxnSpPr>
         <p:spPr>
           <a:xfrm flipV="1">
-            <a:off x="5249994" y="4065967"/>
-            <a:ext cx="2157813" cy="11192"/>
+            <a:off x="3807689" y="4065967"/>
+            <a:ext cx="4175154" cy="11192"/>
           </a:xfrm>
           <a:prstGeom prst="straightConnector1">
             <a:avLst/>
@@ -3204,8 +3241,8 @@
         </p:nvSpPr>
         <p:spPr>
           <a:xfrm>
-            <a:off x="6772445" y="4143874"/>
-            <a:ext cx="715260" cy="369332"/>
+            <a:off x="4288711" y="4067674"/>
+            <a:ext cx="3117585" cy="369332"/>
           </a:xfrm>
           <a:prstGeom prst="rect">
             <a:avLst/>
@@ -3219,10 +3256,9 @@
           <a:lstStyle/>
           <a:p>
             <a:r>
-              <a:rPr lang="nl-NL" dirty="0" smtClean="0"/>
-              <a:t>:4200</a:t>
-            </a:r>
-            <a:endParaRPr lang="nl-NL" dirty="0"/>
+              <a:rPr lang="nl-NL" dirty="0"/>
+              <a:t>http://localhost:5001/api/apen</a:t>
+            </a:r>
           </a:p>
         </p:txBody>
       </p:sp>
@@ -3234,7 +3270,7 @@
         </p:nvSpPr>
         <p:spPr>
           <a:xfrm>
-            <a:off x="8136727" y="2197453"/>
+            <a:off x="8711763" y="2197453"/>
             <a:ext cx="584968" cy="369332"/>
           </a:xfrm>
           <a:prstGeom prst="rect">
@@ -3249,10 +3285,9 @@
           <a:lstStyle/>
           <a:p>
             <a:r>
-              <a:rPr lang="nl-NL" dirty="0" smtClean="0"/>
+              <a:rPr lang="nl-NL" dirty="0"/>
               <a:t>web</a:t>
             </a:r>
-            <a:endParaRPr lang="nl-NL" dirty="0"/>
           </a:p>
         </p:txBody>
       </p:sp>
@@ -3302,10 +3337,9 @@
           <a:lstStyle/>
           <a:p>
             <a:r>
-              <a:rPr lang="nl-NL" dirty="0" smtClean="0"/>
-              <a:t>Infrastructuur OSS-opdracht</a:t>
-            </a:r>
-            <a:endParaRPr lang="nl-NL" dirty="0"/>
+              <a:rPr lang="nl-NL" dirty="0"/>
+              <a:t>Microservice opdracht 2: meerdere containers</a:t>
+            </a:r>
           </a:p>
         </p:txBody>
       </p:sp>
@@ -3457,9 +3491,49 @@
           <a:p>
             <a:pPr algn="ctr"/>
             <a:r>
-              <a:rPr lang="nl-NL" dirty="0" smtClean="0"/>
-              <a:t>:80	NGINX</a:t>
-            </a:r>
+              <a:rPr lang="nl-NL" dirty="0" err="1"/>
+              <a:t>ASP.Net</a:t>
+            </a:r>
+            <a:r>
+              <a:rPr lang="nl-NL" dirty="0"/>
+              <a:t> </a:t>
+            </a:r>
+            <a:r>
+              <a:rPr lang="nl-NL" dirty="0" err="1"/>
+              <a:t>Core</a:t>
+            </a:r>
+            <a:endParaRPr lang="nl-NL" dirty="0"/>
+          </a:p>
+          <a:p>
+            <a:pPr algn="ctr"/>
+            <a:r>
+              <a:rPr lang="en-US" dirty="0"/>
+              <a:t>MVC</a:t>
+            </a:r>
+            <a:endParaRPr lang="nl-NL" dirty="0"/>
+          </a:p>
+          <a:p>
+            <a:r>
+              <a:rPr lang="nl-NL" dirty="0"/>
+              <a:t>:80</a:t>
+            </a:r>
+            <a:endParaRPr lang="en-US" dirty="0"/>
+          </a:p>
+          <a:p>
+            <a:r>
+              <a:rPr lang="en-US" dirty="0"/>
+              <a:t>       (</a:t>
+            </a:r>
+            <a:r>
+              <a:rPr lang="en-US" dirty="0" err="1"/>
+              <a:t>ApenContainer</a:t>
+            </a:r>
+            <a:r>
+              <a:rPr lang="en-US" dirty="0"/>
+              <a:t>)</a:t>
+            </a:r>
+          </a:p>
+          <a:p>
             <a:endParaRPr lang="nl-NL" dirty="0"/>
           </a:p>
         </p:txBody>
@@ -3511,7 +3585,7 @@
         </p:nvSpPr>
         <p:spPr>
           <a:xfrm>
-            <a:off x="4413293" y="3759826"/>
+            <a:off x="4337877" y="3656129"/>
             <a:ext cx="715260" cy="369332"/>
           </a:xfrm>
           <a:prstGeom prst="rect">
@@ -3526,10 +3600,9 @@
           <a:lstStyle/>
           <a:p>
             <a:r>
-              <a:rPr lang="nl-NL" dirty="0" smtClean="0"/>
-              <a:t>:4200</a:t>
-            </a:r>
-            <a:endParaRPr lang="nl-NL" dirty="0"/>
+              <a:rPr lang="nl-NL" dirty="0"/>
+              <a:t>:5002</a:t>
+            </a:r>
           </a:p>
         </p:txBody>
       </p:sp>
@@ -3575,8 +3648,40 @@
           <a:p>
             <a:pPr algn="ctr"/>
             <a:r>
-              <a:rPr lang="nl-NL" dirty="0" smtClean="0"/>
-              <a:t>:4201	SERVERJS</a:t>
+              <a:rPr lang="en-US" dirty="0" err="1"/>
+              <a:t>ASP.Net</a:t>
+            </a:r>
+            <a:r>
+              <a:rPr lang="en-US" dirty="0"/>
+              <a:t> Core </a:t>
+            </a:r>
+            <a:r>
+              <a:rPr lang="en-US" dirty="0" err="1"/>
+              <a:t>WebAPI</a:t>
+            </a:r>
+            <a:endParaRPr lang="nl-NL" dirty="0"/>
+          </a:p>
+          <a:p>
+            <a:r>
+              <a:rPr lang="nl-NL" dirty="0"/>
+              <a:t>:4201</a:t>
+            </a:r>
+          </a:p>
+          <a:p>
+            <a:endParaRPr lang="nl-NL" dirty="0"/>
+          </a:p>
+          <a:p>
+            <a:r>
+              <a:rPr lang="en-US" dirty="0"/>
+              <a:t>              (</a:t>
+            </a:r>
+            <a:r>
+              <a:rPr lang="en-US" dirty="0" err="1"/>
+              <a:t>apenhok</a:t>
+            </a:r>
+            <a:r>
+              <a:rPr lang="en-US" dirty="0"/>
+              <a:t>)</a:t>
             </a:r>
             <a:endParaRPr lang="nl-NL" dirty="0"/>
           </a:p>
@@ -3630,7 +3735,7 @@
         <p:spPr>
           <a:xfrm>
             <a:off x="7743216" y="3292034"/>
-            <a:ext cx="1312795" cy="369332"/>
+            <a:ext cx="1110882" cy="369332"/>
           </a:xfrm>
           <a:prstGeom prst="rect">
             <a:avLst/>
@@ -3644,22 +3749,17 @@
           <a:lstStyle/>
           <a:p>
             <a:r>
-              <a:rPr lang="nl-NL" dirty="0" smtClean="0"/>
+              <a:rPr lang="nl-NL" dirty="0"/>
               <a:t>/</a:t>
             </a:r>
             <a:r>
-              <a:rPr lang="nl-NL" dirty="0" err="1" smtClean="0"/>
+              <a:rPr lang="nl-NL" dirty="0" err="1"/>
               <a:t>api</a:t>
             </a:r>
             <a:r>
-              <a:rPr lang="nl-NL" dirty="0" smtClean="0"/>
-              <a:t>/</a:t>
-            </a:r>
-            <a:r>
-              <a:rPr lang="nl-NL" dirty="0" err="1" smtClean="0"/>
-              <a:t>movies</a:t>
-            </a:r>
-            <a:endParaRPr lang="nl-NL" dirty="0"/>
+              <a:rPr lang="nl-NL" dirty="0"/>
+              <a:t>/apen</a:t>
+            </a:r>
           </a:p>
         </p:txBody>
       </p:sp>
@@ -3686,10 +3786,9 @@
           <a:lstStyle/>
           <a:p>
             <a:r>
-              <a:rPr lang="nl-NL" dirty="0" smtClean="0"/>
+              <a:rPr lang="nl-NL" dirty="0"/>
               <a:t>:8090</a:t>
             </a:r>
-            <a:endParaRPr lang="nl-NL" dirty="0"/>
           </a:p>
         </p:txBody>
       </p:sp>
@@ -3716,10 +3815,9 @@
           <a:lstStyle/>
           <a:p>
             <a:r>
-              <a:rPr lang="nl-NL" dirty="0" smtClean="0"/>
+              <a:rPr lang="nl-NL" dirty="0"/>
               <a:t>web</a:t>
             </a:r>
-            <a:endParaRPr lang="nl-NL" dirty="0"/>
           </a:p>
         </p:txBody>
       </p:sp>
@@ -3746,10 +3844,45 @@
           <a:lstStyle/>
           <a:p>
             <a:r>
-              <a:rPr lang="nl-NL" dirty="0" err="1" smtClean="0"/>
+              <a:rPr lang="nl-NL" dirty="0" err="1"/>
               <a:t>api</a:t>
             </a:r>
             <a:endParaRPr lang="nl-NL" dirty="0"/>
+          </a:p>
+        </p:txBody>
+      </p:sp>
+      <p:sp>
+        <p:nvSpPr>
+          <p:cNvPr id="16" name="TextBox 15">
+            <a:extLst>
+              <a:ext uri="{FF2B5EF4-FFF2-40B4-BE49-F238E27FC236}">
+                <a16:creationId xmlns:a16="http://schemas.microsoft.com/office/drawing/2014/main" id="{099DFC03-488A-4E2F-B0EF-7B8688FF6944}"/>
+              </a:ext>
+            </a:extLst>
+          </p:cNvPr>
+          <p:cNvSpPr txBox="1"/>
+          <p:nvPr/>
+        </p:nvSpPr>
+        <p:spPr>
+          <a:xfrm>
+            <a:off x="1931070" y="4670560"/>
+            <a:ext cx="3117585" cy="369332"/>
+          </a:xfrm>
+          <a:prstGeom prst="rect">
+            <a:avLst/>
+          </a:prstGeom>
+          <a:noFill/>
+        </p:spPr>
+        <p:txBody>
+          <a:bodyPr wrap="none" rtlCol="0">
+            <a:spAutoFit/>
+          </a:bodyPr>
+          <a:lstStyle/>
+          <a:p>
+            <a:r>
+              <a:rPr lang="nl-NL" dirty="0"/>
+              <a:t>http://localhost:5002/api/apen</a:t>
+            </a:r>
           </a:p>
         </p:txBody>
       </p:sp>
@@ -3793,16 +3926,30 @@
             <p:ph type="title"/>
           </p:nvPr>
         </p:nvSpPr>
-        <p:spPr/>
-        <p:txBody>
-          <a:bodyPr/>
-          <a:lstStyle/>
-          <a:p>
-            <a:r>
-              <a:rPr lang="nl-NL" dirty="0" smtClean="0"/>
-              <a:t>Infrastructuur 102-opdracht</a:t>
-            </a:r>
-            <a:endParaRPr lang="nl-NL" dirty="0"/>
+        <p:spPr>
+          <a:xfrm>
+            <a:off x="284657" y="187479"/>
+            <a:ext cx="11102922" cy="1325459"/>
+          </a:xfrm>
+        </p:spPr>
+        <p:txBody>
+          <a:bodyPr>
+            <a:normAutofit/>
+          </a:bodyPr>
+          <a:lstStyle/>
+          <a:p>
+            <a:r>
+              <a:rPr lang="nl-NL" dirty="0"/>
+              <a:t>Infrastructuur </a:t>
+            </a:r>
+            <a:r>
+              <a:rPr lang="nl-NL" dirty="0" err="1"/>
+              <a:t>multiplatformopdracht</a:t>
+            </a:r>
+            <a:r>
+              <a:rPr lang="nl-NL" dirty="0"/>
+              <a:t> met bus</a:t>
+            </a:r>
           </a:p>
         </p:txBody>
       </p:sp>
@@ -3954,10 +4101,9 @@
           <a:p>
             <a:pPr algn="ctr"/>
             <a:r>
-              <a:rPr lang="nl-NL" dirty="0" smtClean="0"/>
-              <a:t>:80	NGINX</a:t>
-            </a:r>
-            <a:endParaRPr lang="nl-NL" dirty="0"/>
+              <a:rPr lang="nl-NL" dirty="0"/>
+              <a:t>:80                   :5672	         </a:t>
+            </a:r>
           </a:p>
         </p:txBody>
       </p:sp>
@@ -4023,32 +4169,55 @@
           <a:lstStyle/>
           <a:p>
             <a:r>
-              <a:rPr lang="nl-NL" dirty="0" smtClean="0"/>
+              <a:rPr lang="nl-NL" dirty="0"/>
               <a:t>:4200</a:t>
             </a:r>
-            <a:endParaRPr lang="nl-NL" dirty="0"/>
-          </a:p>
-        </p:txBody>
-      </p:sp>
-      <p:sp>
-        <p:nvSpPr>
-          <p:cNvPr id="13" name="Rectangle 12"/>
-          <p:cNvSpPr/>
+          </a:p>
+        </p:txBody>
+      </p:sp>
+      <p:sp>
+        <p:nvSpPr>
+          <p:cNvPr id="2" name="TextBox 1"/>
+          <p:cNvSpPr txBox="1"/>
           <p:nvPr/>
         </p:nvSpPr>
         <p:spPr>
           <a:xfrm>
-            <a:off x="8848669" y="481681"/>
-            <a:ext cx="2149812" cy="2752928"/>
+            <a:off x="5777575" y="1813405"/>
+            <a:ext cx="584968" cy="369332"/>
           </a:xfrm>
           <a:prstGeom prst="rect">
             <a:avLst/>
           </a:prstGeom>
-          <a:solidFill>
-            <a:schemeClr val="accent6">
-              <a:lumMod val="75000"/>
-            </a:schemeClr>
-          </a:solidFill>
+          <a:noFill/>
+        </p:spPr>
+        <p:txBody>
+          <a:bodyPr wrap="none" rtlCol="0">
+            <a:spAutoFit/>
+          </a:bodyPr>
+          <a:lstStyle/>
+          <a:p>
+            <a:r>
+              <a:rPr lang="nl-NL" dirty="0"/>
+              <a:t>web</a:t>
+            </a:r>
+          </a:p>
+        </p:txBody>
+      </p:sp>
+      <p:sp>
+        <p:nvSpPr>
+          <p:cNvPr id="17" name="Rectangle 16"/>
+          <p:cNvSpPr/>
+          <p:nvPr/>
+        </p:nvSpPr>
+        <p:spPr>
+          <a:xfrm>
+            <a:off x="9641369" y="2861637"/>
+            <a:ext cx="2149812" cy="1644376"/>
+          </a:xfrm>
+          <a:prstGeom prst="rect">
+            <a:avLst/>
+          </a:prstGeom>
         </p:spPr>
         <p:style>
           <a:lnRef idx="2">
@@ -4070,28 +4239,193 @@
           <a:bodyPr rtlCol="0" anchor="ctr"/>
           <a:lstStyle/>
           <a:p>
+            <a:r>
+              <a:rPr lang="nl-NL" dirty="0"/>
+              <a:t>:5672       	</a:t>
+            </a:r>
+            <a:r>
+              <a:rPr lang="nl-NL" dirty="0" err="1"/>
+              <a:t>ASP.Net</a:t>
+            </a:r>
+            <a:br>
+              <a:rPr lang="nl-NL" dirty="0"/>
+            </a:br>
+            <a:r>
+              <a:rPr lang="nl-NL" dirty="0"/>
+              <a:t>               </a:t>
+            </a:r>
+            <a:r>
+              <a:rPr lang="nl-NL" dirty="0" err="1"/>
+              <a:t>Core</a:t>
+            </a:r>
+            <a:r>
+              <a:rPr lang="nl-NL" dirty="0"/>
+              <a:t> MVC</a:t>
+            </a:r>
+          </a:p>
+        </p:txBody>
+      </p:sp>
+      <p:sp>
+        <p:nvSpPr>
+          <p:cNvPr id="18" name="TextBox 17"/>
+          <p:cNvSpPr txBox="1"/>
+          <p:nvPr/>
+        </p:nvSpPr>
+        <p:spPr>
+          <a:xfrm>
+            <a:off x="6193795" y="3323779"/>
+            <a:ext cx="715260" cy="369332"/>
+          </a:xfrm>
+          <a:prstGeom prst="rect">
+            <a:avLst/>
+          </a:prstGeom>
+          <a:noFill/>
+        </p:spPr>
+        <p:txBody>
+          <a:bodyPr wrap="none" rtlCol="0">
+            <a:spAutoFit/>
+          </a:bodyPr>
+          <a:lstStyle/>
+          <a:p>
+            <a:r>
+              <a:rPr lang="nl-NL" dirty="0"/>
+              <a:t>:5672</a:t>
+            </a:r>
+          </a:p>
+        </p:txBody>
+      </p:sp>
+      <p:sp>
+        <p:nvSpPr>
+          <p:cNvPr id="22" name="TextBox 21"/>
+          <p:cNvSpPr txBox="1"/>
+          <p:nvPr/>
+        </p:nvSpPr>
+        <p:spPr>
+          <a:xfrm>
+            <a:off x="10481275" y="1813405"/>
+            <a:ext cx="564322" cy="369332"/>
+          </a:xfrm>
+          <a:prstGeom prst="rect">
+            <a:avLst/>
+          </a:prstGeom>
+          <a:noFill/>
+        </p:spPr>
+        <p:txBody>
+          <a:bodyPr wrap="none" rtlCol="0">
+            <a:spAutoFit/>
+          </a:bodyPr>
+          <a:lstStyle/>
+          <a:p>
+            <a:r>
+              <a:rPr lang="nl-NL" dirty="0" err="1"/>
+              <a:t>mvc</a:t>
+            </a:r>
+            <a:endParaRPr lang="nl-NL" dirty="0"/>
+          </a:p>
+        </p:txBody>
+      </p:sp>
+      <p:sp>
+        <p:nvSpPr>
+          <p:cNvPr id="25" name="TextBox 24">
+            <a:extLst>
+              <a:ext uri="{FF2B5EF4-FFF2-40B4-BE49-F238E27FC236}">
+                <a16:creationId xmlns:a16="http://schemas.microsoft.com/office/drawing/2014/main" id="{30A920D1-4B90-436D-A7E2-915621C1F246}"/>
+              </a:ext>
+            </a:extLst>
+          </p:cNvPr>
+          <p:cNvSpPr txBox="1"/>
+          <p:nvPr/>
+        </p:nvSpPr>
+        <p:spPr>
+          <a:xfrm>
+            <a:off x="2979043" y="3357137"/>
+            <a:ext cx="675121" cy="369332"/>
+          </a:xfrm>
+          <a:prstGeom prst="rect">
+            <a:avLst/>
+          </a:prstGeom>
+          <a:noFill/>
+        </p:spPr>
+        <p:txBody>
+          <a:bodyPr wrap="none" rtlCol="0">
+            <a:spAutoFit/>
+          </a:bodyPr>
+          <a:lstStyle/>
+          <a:p>
+            <a:r>
+              <a:rPr lang="en-US" dirty="0"/>
+              <a:t>HTTP</a:t>
+            </a:r>
+            <a:endParaRPr lang="nl-NL" dirty="0"/>
+          </a:p>
+        </p:txBody>
+      </p:sp>
+      <p:sp>
+        <p:nvSpPr>
+          <p:cNvPr id="5" name="Rectangle 4">
+            <a:extLst>
+              <a:ext uri="{FF2B5EF4-FFF2-40B4-BE49-F238E27FC236}">
+                <a16:creationId xmlns:a16="http://schemas.microsoft.com/office/drawing/2014/main" id="{B76D7B7F-007D-40A0-89FD-1209C2441A4A}"/>
+              </a:ext>
+            </a:extLst>
+          </p:cNvPr>
+          <p:cNvSpPr/>
+          <p:nvPr/>
+        </p:nvSpPr>
+        <p:spPr>
+          <a:xfrm>
+            <a:off x="7455566" y="1498558"/>
+            <a:ext cx="715260" cy="4372338"/>
+          </a:xfrm>
+          <a:prstGeom prst="rect">
+            <a:avLst/>
+          </a:prstGeom>
+        </p:spPr>
+        <p:style>
+          <a:lnRef idx="2">
+            <a:schemeClr val="accent2">
+              <a:shade val="50000"/>
+            </a:schemeClr>
+          </a:lnRef>
+          <a:fillRef idx="1">
+            <a:schemeClr val="accent2"/>
+          </a:fillRef>
+          <a:effectRef idx="0">
+            <a:schemeClr val="accent2"/>
+          </a:effectRef>
+          <a:fontRef idx="minor">
+            <a:schemeClr val="lt1"/>
+          </a:fontRef>
+        </p:style>
+        <p:txBody>
+          <a:bodyPr rtlCol="0" anchor="ctr"/>
+          <a:lstStyle/>
+          <a:p>
             <a:pPr algn="ctr"/>
-            <a:r>
-              <a:rPr lang="nl-NL" dirty="0" smtClean="0"/>
-              <a:t>:4201	SERVERJS</a:t>
-            </a:r>
-            <a:endParaRPr lang="nl-NL" dirty="0"/>
+            <a:endParaRPr lang="nl-NL"/>
           </a:p>
         </p:txBody>
       </p:sp>
       <p:cxnSp>
         <p:nvCxnSpPr>
-          <p:cNvPr id="14" name="Straight Arrow Connector 13"/>
+          <p:cNvPr id="12" name="Straight Arrow Connector 11">
+            <a:extLst>
+              <a:ext uri="{FF2B5EF4-FFF2-40B4-BE49-F238E27FC236}">
+                <a16:creationId xmlns:a16="http://schemas.microsoft.com/office/drawing/2014/main" id="{CC41444A-F40C-4855-8865-0365B5DE6E2D}"/>
+              </a:ext>
+            </a:extLst>
+          </p:cNvPr>
           <p:cNvCxnSpPr>
+            <a:cxnSpLocks/>
             <a:stCxn id="8" idx="3"/>
-            <a:endCxn id="13" idx="1"/>
+            <a:endCxn id="5" idx="1"/>
           </p:cNvCxnSpPr>
           <p:nvPr/>
         </p:nvCxnSpPr>
         <p:spPr>
-          <a:xfrm flipV="1">
-            <a:off x="6231928" y="1858145"/>
-            <a:ext cx="2616741" cy="1823774"/>
+          <a:xfrm>
+            <a:off x="6231928" y="3681919"/>
+            <a:ext cx="1223638" cy="2808"/>
           </a:xfrm>
           <a:prstGeom prst="straightConnector1">
             <a:avLst/>
@@ -4100,7 +4434,8 @@
             <a:solidFill>
               <a:schemeClr val="tx1"/>
             </a:solidFill>
-            <a:tailEnd type="triangle"/>
+            <a:headEnd type="triangle"/>
+            <a:tailEnd type="triangle" w="med" len="med"/>
           </a:ln>
         </p:spPr>
         <p:style>
@@ -4118,16 +4453,69 @@
           </a:fontRef>
         </p:style>
       </p:cxnSp>
-      <p:sp>
-        <p:nvSpPr>
-          <p:cNvPr id="20" name="TextBox 19"/>
+      <p:cxnSp>
+        <p:nvCxnSpPr>
+          <p:cNvPr id="28" name="Straight Arrow Connector 27">
+            <a:extLst>
+              <a:ext uri="{FF2B5EF4-FFF2-40B4-BE49-F238E27FC236}">
+                <a16:creationId xmlns:a16="http://schemas.microsoft.com/office/drawing/2014/main" id="{CD3CC728-0E85-4C17-BE5F-44C97DE4729F}"/>
+              </a:ext>
+            </a:extLst>
+          </p:cNvPr>
+          <p:cNvCxnSpPr>
+            <a:cxnSpLocks/>
+            <a:stCxn id="5" idx="3"/>
+            <a:endCxn id="17" idx="1"/>
+          </p:cNvCxnSpPr>
+          <p:nvPr/>
+        </p:nvCxnSpPr>
+        <p:spPr>
+          <a:xfrm flipV="1">
+            <a:off x="8170826" y="3683825"/>
+            <a:ext cx="1470543" cy="902"/>
+          </a:xfrm>
+          <a:prstGeom prst="straightConnector1">
+            <a:avLst/>
+          </a:prstGeom>
+          <a:ln w="31750">
+            <a:solidFill>
+              <a:schemeClr val="tx1"/>
+            </a:solidFill>
+            <a:headEnd type="triangle"/>
+            <a:tailEnd type="triangle"/>
+          </a:ln>
+        </p:spPr>
+        <p:style>
+          <a:lnRef idx="1">
+            <a:schemeClr val="accent1"/>
+          </a:lnRef>
+          <a:fillRef idx="0">
+            <a:schemeClr val="accent1"/>
+          </a:fillRef>
+          <a:effectRef idx="0">
+            <a:schemeClr val="accent1"/>
+          </a:effectRef>
+          <a:fontRef idx="minor">
+            <a:schemeClr val="tx1"/>
+          </a:fontRef>
+        </p:style>
+      </p:cxnSp>
+      <p:sp>
+        <p:nvSpPr>
+          <p:cNvPr id="32" name="TextBox 31">
+            <a:extLst>
+              <a:ext uri="{FF2B5EF4-FFF2-40B4-BE49-F238E27FC236}">
+                <a16:creationId xmlns:a16="http://schemas.microsoft.com/office/drawing/2014/main" id="{7217CCDA-5BF3-42F5-9A97-0F7D762AAF7D}"/>
+              </a:ext>
+            </a:extLst>
+          </p:cNvPr>
           <p:cNvSpPr txBox="1"/>
           <p:nvPr/>
         </p:nvSpPr>
         <p:spPr>
           <a:xfrm>
-            <a:off x="6951774" y="1468260"/>
-            <a:ext cx="1312795" cy="369332"/>
+            <a:off x="8943528" y="3323779"/>
+            <a:ext cx="715260" cy="369332"/>
           </a:xfrm>
           <a:prstGeom prst="rect">
             <a:avLst/>
@@ -4141,127 +4529,30 @@
           <a:lstStyle/>
           <a:p>
             <a:r>
-              <a:rPr lang="nl-NL" dirty="0" smtClean="0"/>
-              <a:t>/</a:t>
-            </a:r>
-            <a:r>
-              <a:rPr lang="nl-NL" dirty="0" err="1" smtClean="0"/>
-              <a:t>api</a:t>
-            </a:r>
-            <a:r>
-              <a:rPr lang="nl-NL" dirty="0" smtClean="0"/>
-              <a:t>/</a:t>
-            </a:r>
-            <a:r>
-              <a:rPr lang="nl-NL" dirty="0" err="1" smtClean="0"/>
-              <a:t>movies</a:t>
-            </a:r>
-            <a:endParaRPr lang="nl-NL" dirty="0"/>
-          </a:p>
-        </p:txBody>
-      </p:sp>
-      <p:sp>
-        <p:nvSpPr>
-          <p:cNvPr id="21" name="TextBox 20"/>
-          <p:cNvSpPr txBox="1"/>
-          <p:nvPr/>
-        </p:nvSpPr>
-        <p:spPr>
-          <a:xfrm>
-            <a:off x="8180103" y="1512939"/>
-            <a:ext cx="715260" cy="369332"/>
-          </a:xfrm>
-          <a:prstGeom prst="rect">
-            <a:avLst/>
-          </a:prstGeom>
-          <a:noFill/>
-        </p:spPr>
-        <p:txBody>
-          <a:bodyPr wrap="none" rtlCol="0">
-            <a:spAutoFit/>
-          </a:bodyPr>
-          <a:lstStyle/>
-          <a:p>
-            <a:r>
-              <a:rPr lang="nl-NL" dirty="0" smtClean="0"/>
-              <a:t>:8090</a:t>
-            </a:r>
-            <a:endParaRPr lang="nl-NL" dirty="0"/>
-          </a:p>
-        </p:txBody>
-      </p:sp>
-      <p:sp>
-        <p:nvSpPr>
-          <p:cNvPr id="2" name="TextBox 1"/>
-          <p:cNvSpPr txBox="1"/>
-          <p:nvPr/>
-        </p:nvSpPr>
-        <p:spPr>
-          <a:xfrm>
-            <a:off x="5777575" y="1813405"/>
-            <a:ext cx="584968" cy="369332"/>
-          </a:xfrm>
-          <a:prstGeom prst="rect">
-            <a:avLst/>
-          </a:prstGeom>
-          <a:noFill/>
-        </p:spPr>
-        <p:txBody>
-          <a:bodyPr wrap="none" rtlCol="0">
-            <a:spAutoFit/>
-          </a:bodyPr>
-          <a:lstStyle/>
-          <a:p>
-            <a:r>
-              <a:rPr lang="nl-NL" dirty="0" smtClean="0"/>
-              <a:t>web</a:t>
-            </a:r>
-            <a:endParaRPr lang="nl-NL" dirty="0"/>
-          </a:p>
-        </p:txBody>
-      </p:sp>
-      <p:sp>
-        <p:nvSpPr>
-          <p:cNvPr id="15" name="TextBox 14"/>
-          <p:cNvSpPr txBox="1"/>
-          <p:nvPr/>
-        </p:nvSpPr>
-        <p:spPr>
-          <a:xfrm>
-            <a:off x="9688575" y="-10369"/>
-            <a:ext cx="470000" cy="369332"/>
-          </a:xfrm>
-          <a:prstGeom prst="rect">
-            <a:avLst/>
-          </a:prstGeom>
-          <a:noFill/>
-        </p:spPr>
-        <p:txBody>
-          <a:bodyPr wrap="none" rtlCol="0">
-            <a:spAutoFit/>
-          </a:bodyPr>
-          <a:lstStyle/>
-          <a:p>
-            <a:r>
-              <a:rPr lang="nl-NL" dirty="0" err="1" smtClean="0"/>
-              <a:t>api</a:t>
-            </a:r>
-            <a:endParaRPr lang="nl-NL" dirty="0"/>
-          </a:p>
-        </p:txBody>
-      </p:sp>
-      <p:sp>
-        <p:nvSpPr>
-          <p:cNvPr id="17" name="Rectangle 16"/>
+              <a:rPr lang="nl-NL" dirty="0"/>
+              <a:t>:5672</a:t>
+            </a:r>
+          </a:p>
+        </p:txBody>
+      </p:sp>
+      <p:sp>
+        <p:nvSpPr>
+          <p:cNvPr id="9" name="Cylinder 8">
+            <a:extLst>
+              <a:ext uri="{FF2B5EF4-FFF2-40B4-BE49-F238E27FC236}">
+                <a16:creationId xmlns:a16="http://schemas.microsoft.com/office/drawing/2014/main" id="{13907352-F991-46C7-B9AF-4037AA540A93}"/>
+              </a:ext>
+            </a:extLst>
+          </p:cNvPr>
           <p:cNvSpPr/>
           <p:nvPr/>
         </p:nvSpPr>
         <p:spPr>
           <a:xfrm>
-            <a:off x="8821237" y="3869930"/>
-            <a:ext cx="2149812" cy="2752928"/>
-          </a:xfrm>
-          <a:prstGeom prst="rect">
+            <a:off x="10205691" y="5058383"/>
+            <a:ext cx="1181888" cy="1325459"/>
+          </a:xfrm>
+          <a:prstGeom prst="can">
             <a:avLst/>
           </a:prstGeom>
         </p:spPr>
@@ -4287,131 +4578,254 @@
           <a:p>
             <a:pPr algn="ctr"/>
             <a:r>
-              <a:rPr lang="nl-NL" dirty="0" smtClean="0"/>
-              <a:t>:4201	</a:t>
-            </a:r>
-            <a:r>
-              <a:rPr lang="nl-NL" dirty="0" err="1" smtClean="0"/>
-              <a:t>ASP.Net</a:t>
-            </a:r>
-            <a:r>
-              <a:rPr lang="nl-NL" dirty="0" smtClean="0"/>
-              <a:t> </a:t>
-            </a:r>
-            <a:r>
-              <a:rPr lang="nl-NL" dirty="0" err="1" smtClean="0"/>
-              <a:t>Core</a:t>
-            </a:r>
-            <a:r>
-              <a:rPr lang="nl-NL" dirty="0" smtClean="0"/>
-              <a:t> MVC</a:t>
+              <a:rPr lang="en-US" dirty="0"/>
+              <a:t>volume</a:t>
             </a:r>
             <a:endParaRPr lang="nl-NL" dirty="0"/>
           </a:p>
         </p:txBody>
       </p:sp>
-      <p:sp>
-        <p:nvSpPr>
-          <p:cNvPr id="18" name="TextBox 17"/>
-          <p:cNvSpPr txBox="1"/>
+    </p:spTree>
+    <p:extLst>
+      <p:ext uri="{BB962C8B-B14F-4D97-AF65-F5344CB8AC3E}">
+        <p14:creationId xmlns:p14="http://schemas.microsoft.com/office/powerpoint/2010/main" val="947239464"/>
+      </p:ext>
+    </p:extLst>
+  </p:cSld>
+  <p:clrMapOvr>
+    <a:masterClrMapping/>
+  </p:clrMapOvr>
+</p:sld>
+</file>
+
+<file path=ppt/slides/slide4.xml><?xml version="1.0" encoding="utf-8"?>
+<p:sld xmlns:a="http://schemas.openxmlformats.org/drawingml/2006/main" xmlns:r="http://schemas.openxmlformats.org/officeDocument/2006/relationships" xmlns:p="http://schemas.openxmlformats.org/presentationml/2006/main">
+  <p:cSld>
+    <p:spTree>
+      <p:nvGrpSpPr>
+        <p:cNvPr id="1" name=""/>
+        <p:cNvGrpSpPr/>
+        <p:nvPr/>
+      </p:nvGrpSpPr>
+      <p:grpSpPr>
+        <a:xfrm>
+          <a:off x="0" y="0"/>
+          <a:ext cx="0" cy="0"/>
+          <a:chOff x="0" y="0"/>
+          <a:chExt cx="0" cy="0"/>
+        </a:xfrm>
+      </p:grpSpPr>
+      <p:sp>
+        <p:nvSpPr>
+          <p:cNvPr id="4" name="Title 3"/>
+          <p:cNvSpPr>
+            <a:spLocks noGrp="1"/>
+          </p:cNvSpPr>
+          <p:nvPr>
+            <p:ph type="title"/>
+          </p:nvPr>
+        </p:nvSpPr>
+        <p:spPr>
+          <a:xfrm>
+            <a:off x="284657" y="187479"/>
+            <a:ext cx="6667117" cy="1325459"/>
+          </a:xfrm>
+        </p:spPr>
+        <p:txBody>
+          <a:bodyPr>
+            <a:normAutofit/>
+          </a:bodyPr>
+          <a:lstStyle/>
+          <a:p>
+            <a:r>
+              <a:rPr lang="nl-NL" dirty="0"/>
+              <a:t>Infrastructuur </a:t>
+            </a:r>
+            <a:r>
+              <a:rPr lang="nl-NL" dirty="0" err="1"/>
+              <a:t>multi</a:t>
+            </a:r>
+            <a:r>
+              <a:rPr lang="nl-NL" dirty="0"/>
+              <a:t>-</a:t>
+            </a:r>
+            <a:br>
+              <a:rPr lang="nl-NL" dirty="0"/>
+            </a:br>
+            <a:r>
+              <a:rPr lang="nl-NL" dirty="0"/>
+              <a:t>platformopdracht (BONUS)</a:t>
+            </a:r>
+          </a:p>
+        </p:txBody>
+      </p:sp>
+      <p:sp>
+        <p:nvSpPr>
+          <p:cNvPr id="6" name="Smiley Face 5"/>
+          <p:cNvSpPr/>
           <p:nvPr/>
         </p:nvSpPr>
         <p:spPr>
           <a:xfrm>
-            <a:off x="5537354" y="4380540"/>
-            <a:ext cx="715260" cy="369332"/>
+            <a:off x="694554" y="1693012"/>
+            <a:ext cx="941832" cy="877824"/>
+          </a:xfrm>
+          <a:prstGeom prst="smileyFace">
+            <a:avLst/>
+          </a:prstGeom>
+          <a:gradFill>
+            <a:gsLst>
+              <a:gs pos="0">
+                <a:schemeClr val="accent1">
+                  <a:lumMod val="5000"/>
+                  <a:lumOff val="95000"/>
+                </a:schemeClr>
+              </a:gs>
+              <a:gs pos="74000">
+                <a:schemeClr val="accent1">
+                  <a:lumMod val="45000"/>
+                  <a:lumOff val="55000"/>
+                </a:schemeClr>
+              </a:gs>
+              <a:gs pos="83000">
+                <a:schemeClr val="accent1">
+                  <a:lumMod val="45000"/>
+                  <a:lumOff val="55000"/>
+                </a:schemeClr>
+              </a:gs>
+              <a:gs pos="100000">
+                <a:schemeClr val="accent1">
+                  <a:lumMod val="30000"/>
+                  <a:lumOff val="70000"/>
+                </a:schemeClr>
+              </a:gs>
+            </a:gsLst>
+            <a:lin ang="5400000" scaled="1"/>
+          </a:gradFill>
+        </p:spPr>
+        <p:style>
+          <a:lnRef idx="2">
+            <a:schemeClr val="accent1">
+              <a:shade val="50000"/>
+            </a:schemeClr>
+          </a:lnRef>
+          <a:fillRef idx="1">
+            <a:schemeClr val="accent1"/>
+          </a:fillRef>
+          <a:effectRef idx="0">
+            <a:schemeClr val="accent1"/>
+          </a:effectRef>
+          <a:fontRef idx="minor">
+            <a:schemeClr val="lt1"/>
+          </a:fontRef>
+        </p:style>
+        <p:txBody>
+          <a:bodyPr rtlCol="0" anchor="ctr"/>
+          <a:lstStyle/>
+          <a:p>
+            <a:pPr algn="ctr"/>
+            <a:endParaRPr lang="nl-NL"/>
+          </a:p>
+        </p:txBody>
+      </p:sp>
+      <p:pic>
+        <p:nvPicPr>
+          <p:cNvPr id="7" name="Picture 6"/>
+          <p:cNvPicPr>
+            <a:picLocks noChangeAspect="1"/>
+          </p:cNvPicPr>
+          <p:nvPr/>
+        </p:nvPicPr>
+        <p:blipFill>
+          <a:blip r:embed="rId2">
+            <a:extLst>
+              <a:ext uri="{28A0092B-C50C-407E-A947-70E740481C1C}">
+                <a14:useLocalDpi xmlns:a14="http://schemas.microsoft.com/office/drawing/2010/main" val="0"/>
+              </a:ext>
+            </a:extLst>
+          </a:blip>
+          <a:stretch>
+            <a:fillRect/>
+          </a:stretch>
+        </p:blipFill>
+        <p:spPr>
+          <a:xfrm>
+            <a:off x="284658" y="2821016"/>
+            <a:ext cx="2606184" cy="1744190"/>
           </a:xfrm>
           <a:prstGeom prst="rect">
             <a:avLst/>
           </a:prstGeom>
-          <a:noFill/>
-        </p:spPr>
-        <p:txBody>
-          <a:bodyPr wrap="none" rtlCol="0">
-            <a:spAutoFit/>
-          </a:bodyPr>
-          <a:lstStyle/>
-          <a:p>
-            <a:r>
-              <a:rPr lang="nl-NL" dirty="0" smtClean="0"/>
-              <a:t>:8200</a:t>
-            </a:r>
-            <a:endParaRPr lang="nl-NL" dirty="0"/>
-          </a:p>
-        </p:txBody>
-      </p:sp>
-      <p:sp>
-        <p:nvSpPr>
-          <p:cNvPr id="19" name="TextBox 18"/>
-          <p:cNvSpPr txBox="1"/>
+          <a:ln w="19050">
+            <a:solidFill>
+              <a:schemeClr val="accent1">
+                <a:shade val="50000"/>
+              </a:schemeClr>
+            </a:solidFill>
+          </a:ln>
+        </p:spPr>
+      </p:pic>
+      <p:sp>
+        <p:nvSpPr>
+          <p:cNvPr id="8" name="Rectangle 7"/>
+          <p:cNvSpPr/>
           <p:nvPr/>
         </p:nvSpPr>
         <p:spPr>
           <a:xfrm>
-            <a:off x="8152671" y="5266948"/>
-            <a:ext cx="715260" cy="369332"/>
+            <a:off x="4189119" y="2305455"/>
+            <a:ext cx="2042809" cy="2752928"/>
           </a:xfrm>
           <a:prstGeom prst="rect">
             <a:avLst/>
           </a:prstGeom>
-          <a:noFill/>
-        </p:spPr>
-        <p:txBody>
-          <a:bodyPr wrap="none" rtlCol="0">
-            <a:spAutoFit/>
-          </a:bodyPr>
-          <a:lstStyle/>
-          <a:p>
-            <a:r>
-              <a:rPr lang="nl-NL" dirty="0" smtClean="0"/>
-              <a:t>:5200</a:t>
-            </a:r>
-            <a:endParaRPr lang="nl-NL" dirty="0"/>
-          </a:p>
-        </p:txBody>
-      </p:sp>
-      <p:sp>
-        <p:nvSpPr>
-          <p:cNvPr id="22" name="TextBox 21"/>
-          <p:cNvSpPr txBox="1"/>
-          <p:nvPr/>
-        </p:nvSpPr>
-        <p:spPr>
-          <a:xfrm>
-            <a:off x="9661143" y="3377880"/>
-            <a:ext cx="564322" cy="369332"/>
-          </a:xfrm>
-          <a:prstGeom prst="rect">
-            <a:avLst/>
-          </a:prstGeom>
-          <a:noFill/>
-        </p:spPr>
-        <p:txBody>
-          <a:bodyPr wrap="none" rtlCol="0">
-            <a:spAutoFit/>
-          </a:bodyPr>
-          <a:lstStyle/>
-          <a:p>
-            <a:r>
-              <a:rPr lang="nl-NL" dirty="0" err="1" smtClean="0"/>
-              <a:t>mvc</a:t>
-            </a:r>
-            <a:endParaRPr lang="nl-NL" dirty="0"/>
+          <a:solidFill>
+            <a:schemeClr val="accent6">
+              <a:lumMod val="75000"/>
+            </a:schemeClr>
+          </a:solidFill>
+        </p:spPr>
+        <p:style>
+          <a:lnRef idx="2">
+            <a:schemeClr val="accent1">
+              <a:shade val="50000"/>
+            </a:schemeClr>
+          </a:lnRef>
+          <a:fillRef idx="1">
+            <a:schemeClr val="accent1"/>
+          </a:fillRef>
+          <a:effectRef idx="0">
+            <a:schemeClr val="accent1"/>
+          </a:effectRef>
+          <a:fontRef idx="minor">
+            <a:schemeClr val="lt1"/>
+          </a:fontRef>
+        </p:style>
+        <p:txBody>
+          <a:bodyPr rtlCol="0" anchor="ctr"/>
+          <a:lstStyle/>
+          <a:p>
+            <a:pPr algn="ctr"/>
+            <a:r>
+              <a:rPr lang="nl-NL" dirty="0"/>
+              <a:t>:80	NGINX</a:t>
+            </a:r>
           </a:p>
         </p:txBody>
       </p:sp>
       <p:cxnSp>
         <p:nvCxnSpPr>
-          <p:cNvPr id="23" name="Straight Arrow Connector 22"/>
+          <p:cNvPr id="10" name="Straight Arrow Connector 9"/>
           <p:cNvCxnSpPr>
-            <a:endCxn id="17" idx="1"/>
+            <a:stCxn id="7" idx="3"/>
+            <a:endCxn id="8" idx="1"/>
           </p:cNvCxnSpPr>
           <p:nvPr/>
         </p:nvCxnSpPr>
         <p:spPr>
-          <a:xfrm>
-            <a:off x="6245765" y="4398863"/>
-            <a:ext cx="2575472" cy="847531"/>
+          <a:xfrm flipV="1">
+            <a:off x="2890842" y="3681919"/>
+            <a:ext cx="1298277" cy="11192"/>
           </a:xfrm>
           <a:prstGeom prst="straightConnector1">
             <a:avLst/>
@@ -4438,6 +4852,545 @@
           </a:fontRef>
         </p:style>
       </p:cxnSp>
+      <p:sp>
+        <p:nvSpPr>
+          <p:cNvPr id="11" name="TextBox 10"/>
+          <p:cNvSpPr txBox="1"/>
+          <p:nvPr/>
+        </p:nvSpPr>
+        <p:spPr>
+          <a:xfrm>
+            <a:off x="3453173" y="3759826"/>
+            <a:ext cx="715260" cy="369332"/>
+          </a:xfrm>
+          <a:prstGeom prst="rect">
+            <a:avLst/>
+          </a:prstGeom>
+          <a:noFill/>
+        </p:spPr>
+        <p:txBody>
+          <a:bodyPr wrap="none" rtlCol="0">
+            <a:spAutoFit/>
+          </a:bodyPr>
+          <a:lstStyle/>
+          <a:p>
+            <a:r>
+              <a:rPr lang="nl-NL" dirty="0"/>
+              <a:t>:5005</a:t>
+            </a:r>
+          </a:p>
+        </p:txBody>
+      </p:sp>
+      <p:sp>
+        <p:nvSpPr>
+          <p:cNvPr id="13" name="Rectangle 12"/>
+          <p:cNvSpPr/>
+          <p:nvPr/>
+        </p:nvSpPr>
+        <p:spPr>
+          <a:xfrm>
+            <a:off x="8848669" y="481681"/>
+            <a:ext cx="2149812" cy="2752928"/>
+          </a:xfrm>
+          <a:prstGeom prst="rect">
+            <a:avLst/>
+          </a:prstGeom>
+          <a:solidFill>
+            <a:schemeClr val="accent6">
+              <a:lumMod val="75000"/>
+            </a:schemeClr>
+          </a:solidFill>
+        </p:spPr>
+        <p:style>
+          <a:lnRef idx="2">
+            <a:schemeClr val="accent1">
+              <a:shade val="50000"/>
+            </a:schemeClr>
+          </a:lnRef>
+          <a:fillRef idx="1">
+            <a:schemeClr val="accent1"/>
+          </a:fillRef>
+          <a:effectRef idx="0">
+            <a:schemeClr val="accent1"/>
+          </a:effectRef>
+          <a:fontRef idx="minor">
+            <a:schemeClr val="lt1"/>
+          </a:fontRef>
+        </p:style>
+        <p:txBody>
+          <a:bodyPr rtlCol="0" anchor="ctr"/>
+          <a:lstStyle/>
+          <a:p>
+            <a:pPr algn="ctr"/>
+            <a:r>
+              <a:rPr lang="nl-NL" dirty="0"/>
+              <a:t>:4201	SERVERJS</a:t>
+            </a:r>
+          </a:p>
+        </p:txBody>
+      </p:sp>
+      <p:cxnSp>
+        <p:nvCxnSpPr>
+          <p:cNvPr id="14" name="Straight Arrow Connector 13"/>
+          <p:cNvCxnSpPr>
+            <a:stCxn id="8" idx="3"/>
+            <a:endCxn id="13" idx="1"/>
+          </p:cNvCxnSpPr>
+          <p:nvPr/>
+        </p:nvCxnSpPr>
+        <p:spPr>
+          <a:xfrm flipV="1">
+            <a:off x="6231928" y="1858145"/>
+            <a:ext cx="2616741" cy="1823774"/>
+          </a:xfrm>
+          <a:prstGeom prst="straightConnector1">
+            <a:avLst/>
+          </a:prstGeom>
+          <a:ln w="31750">
+            <a:solidFill>
+              <a:schemeClr val="tx1"/>
+            </a:solidFill>
+            <a:tailEnd type="triangle"/>
+          </a:ln>
+        </p:spPr>
+        <p:style>
+          <a:lnRef idx="1">
+            <a:schemeClr val="accent1"/>
+          </a:lnRef>
+          <a:fillRef idx="0">
+            <a:schemeClr val="accent1"/>
+          </a:fillRef>
+          <a:effectRef idx="0">
+            <a:schemeClr val="accent1"/>
+          </a:effectRef>
+          <a:fontRef idx="minor">
+            <a:schemeClr val="tx1"/>
+          </a:fontRef>
+        </p:style>
+      </p:cxnSp>
+      <p:sp>
+        <p:nvSpPr>
+          <p:cNvPr id="20" name="TextBox 19"/>
+          <p:cNvSpPr txBox="1"/>
+          <p:nvPr/>
+        </p:nvSpPr>
+        <p:spPr>
+          <a:xfrm>
+            <a:off x="6951774" y="1468260"/>
+            <a:ext cx="1312795" cy="369332"/>
+          </a:xfrm>
+          <a:prstGeom prst="rect">
+            <a:avLst/>
+          </a:prstGeom>
+          <a:noFill/>
+        </p:spPr>
+        <p:txBody>
+          <a:bodyPr wrap="none" rtlCol="0">
+            <a:spAutoFit/>
+          </a:bodyPr>
+          <a:lstStyle/>
+          <a:p>
+            <a:r>
+              <a:rPr lang="nl-NL" dirty="0"/>
+              <a:t>/</a:t>
+            </a:r>
+            <a:r>
+              <a:rPr lang="nl-NL" dirty="0" err="1"/>
+              <a:t>api</a:t>
+            </a:r>
+            <a:r>
+              <a:rPr lang="nl-NL" dirty="0"/>
+              <a:t>/</a:t>
+            </a:r>
+            <a:r>
+              <a:rPr lang="nl-NL" dirty="0" err="1"/>
+              <a:t>movies</a:t>
+            </a:r>
+            <a:endParaRPr lang="nl-NL" dirty="0"/>
+          </a:p>
+        </p:txBody>
+      </p:sp>
+      <p:sp>
+        <p:nvSpPr>
+          <p:cNvPr id="21" name="TextBox 20"/>
+          <p:cNvSpPr txBox="1"/>
+          <p:nvPr/>
+        </p:nvSpPr>
+        <p:spPr>
+          <a:xfrm>
+            <a:off x="8180103" y="1512939"/>
+            <a:ext cx="715260" cy="369332"/>
+          </a:xfrm>
+          <a:prstGeom prst="rect">
+            <a:avLst/>
+          </a:prstGeom>
+          <a:noFill/>
+        </p:spPr>
+        <p:txBody>
+          <a:bodyPr wrap="none" rtlCol="0">
+            <a:spAutoFit/>
+          </a:bodyPr>
+          <a:lstStyle/>
+          <a:p>
+            <a:r>
+              <a:rPr lang="nl-NL" dirty="0"/>
+              <a:t>:8090</a:t>
+            </a:r>
+          </a:p>
+        </p:txBody>
+      </p:sp>
+      <p:sp>
+        <p:nvSpPr>
+          <p:cNvPr id="2" name="TextBox 1"/>
+          <p:cNvSpPr txBox="1"/>
+          <p:nvPr/>
+        </p:nvSpPr>
+        <p:spPr>
+          <a:xfrm>
+            <a:off x="5777575" y="1813405"/>
+            <a:ext cx="584968" cy="369332"/>
+          </a:xfrm>
+          <a:prstGeom prst="rect">
+            <a:avLst/>
+          </a:prstGeom>
+          <a:noFill/>
+        </p:spPr>
+        <p:txBody>
+          <a:bodyPr wrap="none" rtlCol="0">
+            <a:spAutoFit/>
+          </a:bodyPr>
+          <a:lstStyle/>
+          <a:p>
+            <a:r>
+              <a:rPr lang="nl-NL" dirty="0"/>
+              <a:t>web</a:t>
+            </a:r>
+          </a:p>
+        </p:txBody>
+      </p:sp>
+      <p:sp>
+        <p:nvSpPr>
+          <p:cNvPr id="15" name="TextBox 14"/>
+          <p:cNvSpPr txBox="1"/>
+          <p:nvPr/>
+        </p:nvSpPr>
+        <p:spPr>
+          <a:xfrm>
+            <a:off x="9688575" y="-10369"/>
+            <a:ext cx="470000" cy="369332"/>
+          </a:xfrm>
+          <a:prstGeom prst="rect">
+            <a:avLst/>
+          </a:prstGeom>
+          <a:noFill/>
+        </p:spPr>
+        <p:txBody>
+          <a:bodyPr wrap="none" rtlCol="0">
+            <a:spAutoFit/>
+          </a:bodyPr>
+          <a:lstStyle/>
+          <a:p>
+            <a:r>
+              <a:rPr lang="nl-NL" dirty="0" err="1"/>
+              <a:t>api</a:t>
+            </a:r>
+            <a:endParaRPr lang="nl-NL" dirty="0"/>
+          </a:p>
+        </p:txBody>
+      </p:sp>
+      <p:sp>
+        <p:nvSpPr>
+          <p:cNvPr id="17" name="Rectangle 16"/>
+          <p:cNvSpPr/>
+          <p:nvPr/>
+        </p:nvSpPr>
+        <p:spPr>
+          <a:xfrm>
+            <a:off x="8821237" y="3869930"/>
+            <a:ext cx="2149812" cy="2752928"/>
+          </a:xfrm>
+          <a:prstGeom prst="rect">
+            <a:avLst/>
+          </a:prstGeom>
+        </p:spPr>
+        <p:style>
+          <a:lnRef idx="2">
+            <a:schemeClr val="accent1">
+              <a:shade val="50000"/>
+            </a:schemeClr>
+          </a:lnRef>
+          <a:fillRef idx="1">
+            <a:schemeClr val="accent1"/>
+          </a:fillRef>
+          <a:effectRef idx="0">
+            <a:schemeClr val="accent1"/>
+          </a:effectRef>
+          <a:fontRef idx="minor">
+            <a:schemeClr val="lt1"/>
+          </a:fontRef>
+        </p:style>
+        <p:txBody>
+          <a:bodyPr rtlCol="0" anchor="ctr"/>
+          <a:lstStyle/>
+          <a:p>
+            <a:pPr algn="ctr"/>
+            <a:r>
+              <a:rPr lang="nl-NL" dirty="0"/>
+              <a:t>:4201	</a:t>
+            </a:r>
+            <a:r>
+              <a:rPr lang="nl-NL" dirty="0" err="1"/>
+              <a:t>ASP.Net</a:t>
+            </a:r>
+            <a:r>
+              <a:rPr lang="nl-NL" dirty="0"/>
+              <a:t> </a:t>
+            </a:r>
+            <a:r>
+              <a:rPr lang="nl-NL" dirty="0" err="1"/>
+              <a:t>Core</a:t>
+            </a:r>
+            <a:r>
+              <a:rPr lang="nl-NL" dirty="0"/>
+              <a:t> MVC</a:t>
+            </a:r>
+          </a:p>
+        </p:txBody>
+      </p:sp>
+      <p:sp>
+        <p:nvSpPr>
+          <p:cNvPr id="18" name="TextBox 17"/>
+          <p:cNvSpPr txBox="1"/>
+          <p:nvPr/>
+        </p:nvSpPr>
+        <p:spPr>
+          <a:xfrm>
+            <a:off x="5537354" y="4380540"/>
+            <a:ext cx="715260" cy="369332"/>
+          </a:xfrm>
+          <a:prstGeom prst="rect">
+            <a:avLst/>
+          </a:prstGeom>
+          <a:noFill/>
+        </p:spPr>
+        <p:txBody>
+          <a:bodyPr wrap="none" rtlCol="0">
+            <a:spAutoFit/>
+          </a:bodyPr>
+          <a:lstStyle/>
+          <a:p>
+            <a:r>
+              <a:rPr lang="nl-NL" dirty="0"/>
+              <a:t>:8200</a:t>
+            </a:r>
+          </a:p>
+        </p:txBody>
+      </p:sp>
+      <p:sp>
+        <p:nvSpPr>
+          <p:cNvPr id="19" name="TextBox 18"/>
+          <p:cNvSpPr txBox="1"/>
+          <p:nvPr/>
+        </p:nvSpPr>
+        <p:spPr>
+          <a:xfrm>
+            <a:off x="8152671" y="5266948"/>
+            <a:ext cx="715260" cy="369332"/>
+          </a:xfrm>
+          <a:prstGeom prst="rect">
+            <a:avLst/>
+          </a:prstGeom>
+          <a:noFill/>
+        </p:spPr>
+        <p:txBody>
+          <a:bodyPr wrap="none" rtlCol="0">
+            <a:spAutoFit/>
+          </a:bodyPr>
+          <a:lstStyle/>
+          <a:p>
+            <a:r>
+              <a:rPr lang="nl-NL" dirty="0"/>
+              <a:t>:5200</a:t>
+            </a:r>
+          </a:p>
+        </p:txBody>
+      </p:sp>
+      <p:sp>
+        <p:nvSpPr>
+          <p:cNvPr id="22" name="TextBox 21"/>
+          <p:cNvSpPr txBox="1"/>
+          <p:nvPr/>
+        </p:nvSpPr>
+        <p:spPr>
+          <a:xfrm>
+            <a:off x="9661143" y="3377880"/>
+            <a:ext cx="564322" cy="369332"/>
+          </a:xfrm>
+          <a:prstGeom prst="rect">
+            <a:avLst/>
+          </a:prstGeom>
+          <a:noFill/>
+        </p:spPr>
+        <p:txBody>
+          <a:bodyPr wrap="none" rtlCol="0">
+            <a:spAutoFit/>
+          </a:bodyPr>
+          <a:lstStyle/>
+          <a:p>
+            <a:r>
+              <a:rPr lang="nl-NL" dirty="0" err="1"/>
+              <a:t>mvc</a:t>
+            </a:r>
+            <a:endParaRPr lang="nl-NL" dirty="0"/>
+          </a:p>
+        </p:txBody>
+      </p:sp>
+      <p:cxnSp>
+        <p:nvCxnSpPr>
+          <p:cNvPr id="23" name="Straight Arrow Connector 22"/>
+          <p:cNvCxnSpPr>
+            <a:endCxn id="17" idx="1"/>
+          </p:cNvCxnSpPr>
+          <p:nvPr/>
+        </p:nvCxnSpPr>
+        <p:spPr>
+          <a:xfrm>
+            <a:off x="6245765" y="4398863"/>
+            <a:ext cx="2575472" cy="847531"/>
+          </a:xfrm>
+          <a:prstGeom prst="straightConnector1">
+            <a:avLst/>
+          </a:prstGeom>
+          <a:ln w="31750">
+            <a:solidFill>
+              <a:schemeClr val="tx1"/>
+            </a:solidFill>
+            <a:tailEnd type="triangle"/>
+          </a:ln>
+        </p:spPr>
+        <p:style>
+          <a:lnRef idx="1">
+            <a:schemeClr val="accent1"/>
+          </a:lnRef>
+          <a:fillRef idx="0">
+            <a:schemeClr val="accent1"/>
+          </a:fillRef>
+          <a:effectRef idx="0">
+            <a:schemeClr val="accent1"/>
+          </a:effectRef>
+          <a:fontRef idx="minor">
+            <a:schemeClr val="tx1"/>
+          </a:fontRef>
+        </p:style>
+      </p:cxnSp>
+      <p:sp>
+        <p:nvSpPr>
+          <p:cNvPr id="3" name="TextBox 2">
+            <a:extLst>
+              <a:ext uri="{FF2B5EF4-FFF2-40B4-BE49-F238E27FC236}">
+                <a16:creationId xmlns:a16="http://schemas.microsoft.com/office/drawing/2014/main" id="{C41B9DE3-4260-497C-A266-735B9752FE7E}"/>
+              </a:ext>
+            </a:extLst>
+          </p:cNvPr>
+          <p:cNvSpPr txBox="1"/>
+          <p:nvPr/>
+        </p:nvSpPr>
+        <p:spPr>
+          <a:xfrm>
+            <a:off x="7325640" y="4460124"/>
+            <a:ext cx="636072" cy="369332"/>
+          </a:xfrm>
+          <a:prstGeom prst="rect">
+            <a:avLst/>
+          </a:prstGeom>
+          <a:noFill/>
+        </p:spPr>
+        <p:txBody>
+          <a:bodyPr wrap="none" rtlCol="0">
+            <a:spAutoFit/>
+          </a:bodyPr>
+          <a:lstStyle/>
+          <a:p>
+            <a:r>
+              <a:rPr lang="en-US" dirty="0"/>
+              <a:t>REST</a:t>
+            </a:r>
+            <a:endParaRPr lang="nl-NL" dirty="0"/>
+          </a:p>
+        </p:txBody>
+      </p:sp>
+      <p:sp>
+        <p:nvSpPr>
+          <p:cNvPr id="24" name="TextBox 23">
+            <a:extLst>
+              <a:ext uri="{FF2B5EF4-FFF2-40B4-BE49-F238E27FC236}">
+                <a16:creationId xmlns:a16="http://schemas.microsoft.com/office/drawing/2014/main" id="{7CB57431-54E3-4913-8024-F1E895A65363}"/>
+              </a:ext>
+            </a:extLst>
+          </p:cNvPr>
+          <p:cNvSpPr txBox="1"/>
+          <p:nvPr/>
+        </p:nvSpPr>
+        <p:spPr>
+          <a:xfrm>
+            <a:off x="7325640" y="2821016"/>
+            <a:ext cx="636072" cy="369332"/>
+          </a:xfrm>
+          <a:prstGeom prst="rect">
+            <a:avLst/>
+          </a:prstGeom>
+          <a:noFill/>
+        </p:spPr>
+        <p:txBody>
+          <a:bodyPr wrap="none" rtlCol="0">
+            <a:spAutoFit/>
+          </a:bodyPr>
+          <a:lstStyle/>
+          <a:p>
+            <a:r>
+              <a:rPr lang="en-US" dirty="0"/>
+              <a:t>REST</a:t>
+            </a:r>
+            <a:endParaRPr lang="nl-NL" dirty="0"/>
+          </a:p>
+        </p:txBody>
+      </p:sp>
+      <p:sp>
+        <p:nvSpPr>
+          <p:cNvPr id="25" name="TextBox 24">
+            <a:extLst>
+              <a:ext uri="{FF2B5EF4-FFF2-40B4-BE49-F238E27FC236}">
+                <a16:creationId xmlns:a16="http://schemas.microsoft.com/office/drawing/2014/main" id="{30A920D1-4B90-436D-A7E2-915621C1F246}"/>
+              </a:ext>
+            </a:extLst>
+          </p:cNvPr>
+          <p:cNvSpPr txBox="1"/>
+          <p:nvPr/>
+        </p:nvSpPr>
+        <p:spPr>
+          <a:xfrm>
+            <a:off x="2979043" y="3357137"/>
+            <a:ext cx="675121" cy="369332"/>
+          </a:xfrm>
+          <a:prstGeom prst="rect">
+            <a:avLst/>
+          </a:prstGeom>
+          <a:noFill/>
+        </p:spPr>
+        <p:txBody>
+          <a:bodyPr wrap="none" rtlCol="0">
+            <a:spAutoFit/>
+          </a:bodyPr>
+          <a:lstStyle/>
+          <a:p>
+            <a:r>
+              <a:rPr lang="en-US" dirty="0"/>
+              <a:t>HTTP</a:t>
+            </a:r>
+            <a:endParaRPr lang="nl-NL" dirty="0"/>
+          </a:p>
+        </p:txBody>
+      </p:sp>
     </p:spTree>
     <p:extLst>
       <p:ext uri="{BB962C8B-B14F-4D97-AF65-F5344CB8AC3E}">
